--- a/PPTs/100.pptx
+++ b/PPTs/100.pptx
@@ -127,6 +127,45 @@
 
 <file path=ppt/changesInfos/changesInfo1.xml><?xml version="1.0" encoding="utf-8"?>
 <pc:chgInfo xmlns:a="http://schemas.openxmlformats.org/drawingml/2006/main" xmlns:r="http://schemas.openxmlformats.org/officeDocument/2006/relationships" xmlns:ac="http://schemas.microsoft.com/office/drawing/2013/main/command" xmlns:pc="http://schemas.microsoft.com/office/powerpoint/2013/main/command">
+  <pc:docChgLst>
+    <pc:chgData name="Samson Christopher" userId="6a13b5f1e64a53ae" providerId="LiveId" clId="{CBB85E04-A323-4F60-9B7F-BE2733E42C2C}"/>
+    <pc:docChg chg="undo custSel modSld">
+      <pc:chgData name="Samson Christopher" userId="6a13b5f1e64a53ae" providerId="LiveId" clId="{CBB85E04-A323-4F60-9B7F-BE2733E42C2C}" dt="2022-07-17T12:50:01.388" v="13" actId="108"/>
+      <pc:docMkLst>
+        <pc:docMk/>
+      </pc:docMkLst>
+      <pc:sldChg chg="modSp mod">
+        <pc:chgData name="Samson Christopher" userId="6a13b5f1e64a53ae" providerId="LiveId" clId="{CBB85E04-A323-4F60-9B7F-BE2733E42C2C}" dt="2022-07-17T12:47:05.311" v="8"/>
+        <pc:sldMkLst>
+          <pc:docMk/>
+          <pc:sldMk cId="1777894342" sldId="389"/>
+        </pc:sldMkLst>
+        <pc:spChg chg="mod">
+          <ac:chgData name="Samson Christopher" userId="6a13b5f1e64a53ae" providerId="LiveId" clId="{CBB85E04-A323-4F60-9B7F-BE2733E42C2C}" dt="2022-07-17T12:47:05.311" v="8"/>
+          <ac:spMkLst>
+            <pc:docMk/>
+            <pc:sldMk cId="1777894342" sldId="389"/>
+            <ac:spMk id="2" creationId="{7DC68689-1BCA-49E7-B7F6-24D0425B5C81}"/>
+          </ac:spMkLst>
+        </pc:spChg>
+      </pc:sldChg>
+      <pc:sldChg chg="modSp mod">
+        <pc:chgData name="Samson Christopher" userId="6a13b5f1e64a53ae" providerId="LiveId" clId="{CBB85E04-A323-4F60-9B7F-BE2733E42C2C}" dt="2022-07-17T12:50:01.388" v="13" actId="108"/>
+        <pc:sldMkLst>
+          <pc:docMk/>
+          <pc:sldMk cId="1414681237" sldId="392"/>
+        </pc:sldMkLst>
+        <pc:spChg chg="mod">
+          <ac:chgData name="Samson Christopher" userId="6a13b5f1e64a53ae" providerId="LiveId" clId="{CBB85E04-A323-4F60-9B7F-BE2733E42C2C}" dt="2022-07-17T12:50:01.388" v="13" actId="108"/>
+          <ac:spMkLst>
+            <pc:docMk/>
+            <pc:sldMk cId="1414681237" sldId="392"/>
+            <ac:spMk id="2" creationId="{F27159EA-E976-4660-A957-7F1E5CEE45DE}"/>
+          </ac:spMkLst>
+        </pc:spChg>
+      </pc:sldChg>
+    </pc:docChg>
+  </pc:docChgLst>
   <pc:docChgLst>
     <pc:chgData name="Samson Christopher" userId="6a13b5f1e64a53ae" providerId="LiveId" clId="{2D5046D0-F6AD-4FDE-A401-69A06AB120DF}"/>
     <pc:docChg chg="undo custSel addSld delSld modSld">
@@ -24391,7 +24430,7 @@
           <a:p>
             <a:fld id="{CCB236BB-53DE-4462-8C4F-7698E6995948}" type="datetimeFigureOut">
               <a:rPr lang="en-IN" smtClean="0"/>
-              <a:t>02-05-2020</a:t>
+              <a:t>17-07-2022</a:t>
             </a:fld>
             <a:endParaRPr lang="en-IN" dirty="0"/>
           </a:p>
@@ -24591,7 +24630,7 @@
           <a:p>
             <a:fld id="{CCB236BB-53DE-4462-8C4F-7698E6995948}" type="datetimeFigureOut">
               <a:rPr lang="en-IN" smtClean="0"/>
-              <a:t>02-05-2020</a:t>
+              <a:t>17-07-2022</a:t>
             </a:fld>
             <a:endParaRPr lang="en-IN" dirty="0"/>
           </a:p>
@@ -24801,7 +24840,7 @@
           <a:p>
             <a:fld id="{CCB236BB-53DE-4462-8C4F-7698E6995948}" type="datetimeFigureOut">
               <a:rPr lang="en-IN" smtClean="0"/>
-              <a:t>02-05-2020</a:t>
+              <a:t>17-07-2022</a:t>
             </a:fld>
             <a:endParaRPr lang="en-IN" dirty="0"/>
           </a:p>
@@ -25001,7 +25040,7 @@
           <a:p>
             <a:fld id="{CCB236BB-53DE-4462-8C4F-7698E6995948}" type="datetimeFigureOut">
               <a:rPr lang="en-IN" smtClean="0"/>
-              <a:t>02-05-2020</a:t>
+              <a:t>17-07-2022</a:t>
             </a:fld>
             <a:endParaRPr lang="en-IN" dirty="0"/>
           </a:p>
@@ -25277,7 +25316,7 @@
           <a:p>
             <a:fld id="{CCB236BB-53DE-4462-8C4F-7698E6995948}" type="datetimeFigureOut">
               <a:rPr lang="en-IN" smtClean="0"/>
-              <a:t>02-05-2020</a:t>
+              <a:t>17-07-2022</a:t>
             </a:fld>
             <a:endParaRPr lang="en-IN" dirty="0"/>
           </a:p>
@@ -25545,7 +25584,7 @@
           <a:p>
             <a:fld id="{CCB236BB-53DE-4462-8C4F-7698E6995948}" type="datetimeFigureOut">
               <a:rPr lang="en-IN" smtClean="0"/>
-              <a:t>02-05-2020</a:t>
+              <a:t>17-07-2022</a:t>
             </a:fld>
             <a:endParaRPr lang="en-IN" dirty="0"/>
           </a:p>
@@ -25960,7 +25999,7 @@
           <a:p>
             <a:fld id="{CCB236BB-53DE-4462-8C4F-7698E6995948}" type="datetimeFigureOut">
               <a:rPr lang="en-IN" smtClean="0"/>
-              <a:t>02-05-2020</a:t>
+              <a:t>17-07-2022</a:t>
             </a:fld>
             <a:endParaRPr lang="en-IN" dirty="0"/>
           </a:p>
@@ -26102,7 +26141,7 @@
           <a:p>
             <a:fld id="{CCB236BB-53DE-4462-8C4F-7698E6995948}" type="datetimeFigureOut">
               <a:rPr lang="en-IN" smtClean="0"/>
-              <a:t>02-05-2020</a:t>
+              <a:t>17-07-2022</a:t>
             </a:fld>
             <a:endParaRPr lang="en-IN" dirty="0"/>
           </a:p>
@@ -26215,7 +26254,7 @@
           <a:p>
             <a:fld id="{CCB236BB-53DE-4462-8C4F-7698E6995948}" type="datetimeFigureOut">
               <a:rPr lang="en-IN" smtClean="0"/>
-              <a:t>02-05-2020</a:t>
+              <a:t>17-07-2022</a:t>
             </a:fld>
             <a:endParaRPr lang="en-IN" dirty="0"/>
           </a:p>
@@ -26528,7 +26567,7 @@
           <a:p>
             <a:fld id="{CCB236BB-53DE-4462-8C4F-7698E6995948}" type="datetimeFigureOut">
               <a:rPr lang="en-IN" smtClean="0"/>
-              <a:t>02-05-2020</a:t>
+              <a:t>17-07-2022</a:t>
             </a:fld>
             <a:endParaRPr lang="en-IN" dirty="0"/>
           </a:p>
@@ -26817,7 +26856,7 @@
           <a:p>
             <a:fld id="{CCB236BB-53DE-4462-8C4F-7698E6995948}" type="datetimeFigureOut">
               <a:rPr lang="en-IN" smtClean="0"/>
-              <a:t>02-05-2020</a:t>
+              <a:t>17-07-2022</a:t>
             </a:fld>
             <a:endParaRPr lang="en-IN" dirty="0"/>
           </a:p>
@@ -27063,7 +27102,7 @@
           <a:p>
             <a:fld id="{CCB236BB-53DE-4462-8C4F-7698E6995948}" type="datetimeFigureOut">
               <a:rPr lang="en-IN" smtClean="0"/>
-              <a:t>02-05-2020</a:t>
+              <a:t>17-07-2022</a:t>
             </a:fld>
             <a:endParaRPr lang="en-IN" dirty="0"/>
           </a:p>
@@ -27622,7 +27661,49 @@
                 </a:effectLst>
                 <a:latin typeface="Tamil-049" pitchFamily="2" charset="0"/>
               </a:rPr>
-              <a:t>L­Pm</a:t>
+              <a:t>L</a:t>
+            </a:r>
+            <a:r>
+              <a:rPr lang="en-US" sz="4400" b="1" dirty="0" err="1">
+                <a:ln>
+                  <a:solidFill>
+                    <a:sysClr val="windowText" lastClr="000000"/>
+                  </a:solidFill>
+                </a:ln>
+                <a:solidFill>
+                  <a:schemeClr val="bg1"/>
+                </a:solidFill>
+                <a:effectLst>
+                  <a:outerShdw blurRad="38100" dist="38100" dir="2700000" algn="tl">
+                    <a:srgbClr val="000000">
+                      <a:alpha val="43137"/>
+                    </a:srgbClr>
+                  </a:outerShdw>
+                </a:effectLst>
+                <a:latin typeface="Tamil Bible" pitchFamily="2" charset="0"/>
+              </a:rPr>
+              <a:t>yp</a:t>
+            </a:r>
+            <a:r>
+              <a:rPr lang="en-US" sz="4400" b="1" dirty="0" err="1">
+                <a:ln>
+                  <a:solidFill>
+                    <a:sysClr val="windowText" lastClr="000000"/>
+                  </a:solidFill>
+                </a:ln>
+                <a:solidFill>
+                  <a:schemeClr val="bg1"/>
+                </a:solidFill>
+                <a:effectLst>
+                  <a:outerShdw blurRad="38100" dist="38100" dir="2700000" algn="tl">
+                    <a:srgbClr val="000000">
+                      <a:alpha val="43137"/>
+                    </a:srgbClr>
+                  </a:outerShdw>
+                </a:effectLst>
+                <a:latin typeface="Tamil-049" pitchFamily="2" charset="0"/>
+              </a:rPr>
+              <a:t>­Pm</a:t>
             </a:r>
             <a:r>
               <a:rPr lang="en-US" sz="4400" b="1" dirty="0">
@@ -27772,7 +27853,49 @@
                 </a:effectLst>
                 <a:latin typeface="Tamil-049" pitchFamily="2" charset="0"/>
               </a:rPr>
-              <a:t>T­VôL</a:t>
+              <a:t>T­</a:t>
+            </a:r>
+            <a:r>
+              <a:rPr lang="en-US" sz="4400" b="1" dirty="0" err="1">
+                <a:ln>
+                  <a:solidFill>
+                    <a:sysClr val="windowText" lastClr="000000"/>
+                  </a:solidFill>
+                </a:ln>
+                <a:solidFill>
+                  <a:schemeClr val="bg1"/>
+                </a:solidFill>
+                <a:effectLst>
+                  <a:outerShdw blurRad="38100" dist="38100" dir="2700000" algn="tl">
+                    <a:srgbClr val="000000">
+                      <a:alpha val="43137"/>
+                    </a:srgbClr>
+                  </a:outerShdw>
+                </a:effectLst>
+                <a:latin typeface="Tamil Bible" pitchFamily="2" charset="0"/>
+              </a:rPr>
+              <a:t>yp</a:t>
+            </a:r>
+            <a:r>
+              <a:rPr lang="en-US" sz="4400" b="1" dirty="0" err="1">
+                <a:ln>
+                  <a:solidFill>
+                    <a:sysClr val="windowText" lastClr="000000"/>
+                  </a:solidFill>
+                </a:ln>
+                <a:solidFill>
+                  <a:schemeClr val="bg1"/>
+                </a:solidFill>
+                <a:effectLst>
+                  <a:outerShdw blurRad="38100" dist="38100" dir="2700000" algn="tl">
+                    <a:srgbClr val="000000">
+                      <a:alpha val="43137"/>
+                    </a:srgbClr>
+                  </a:outerShdw>
+                </a:effectLst>
+                <a:latin typeface="Tamil-049" pitchFamily="2" charset="0"/>
+              </a:rPr>
+              <a:t>VôL</a:t>
             </a:r>
             <a:r>
               <a:rPr lang="en-US" sz="4400" b="1" dirty="0">
@@ -31018,7 +31141,49 @@
                 </a:effectLst>
                 <a:latin typeface="Tamil-049" pitchFamily="2" charset="0"/>
               </a:rPr>
-              <a:t>ùLôpLRô</a:t>
+              <a:t>ùLôp</a:t>
+            </a:r>
+            <a:r>
+              <a:rPr lang="en-IN" sz="4400" b="1" dirty="0" err="1">
+                <a:ln>
+                  <a:solidFill>
+                    <a:sysClr val="windowText" lastClr="000000"/>
+                  </a:solidFill>
+                </a:ln>
+                <a:solidFill>
+                  <a:schemeClr val="bg1"/>
+                </a:solidFill>
+                <a:effectLst>
+                  <a:outerShdw blurRad="38100" dist="38100" dir="2700000" algn="tl">
+                    <a:srgbClr val="000000">
+                      <a:alpha val="43137"/>
+                    </a:srgbClr>
+                  </a:outerShdw>
+                </a:effectLst>
+                <a:latin typeface="Tamil-049" pitchFamily="2" charset="0"/>
+              </a:rPr>
+              <a:t>ùLô</a:t>
+            </a:r>
+            <a:r>
+              <a:rPr lang="en-US" sz="4400" b="1" dirty="0" err="1">
+                <a:ln>
+                  <a:solidFill>
+                    <a:sysClr val="windowText" lastClr="000000"/>
+                  </a:solidFill>
+                </a:ln>
+                <a:solidFill>
+                  <a:schemeClr val="bg1"/>
+                </a:solidFill>
+                <a:effectLst>
+                  <a:outerShdw blurRad="38100" dist="38100" dir="2700000" algn="tl">
+                    <a:srgbClr val="000000">
+                      <a:alpha val="43137"/>
+                    </a:srgbClr>
+                  </a:outerShdw>
+                </a:effectLst>
+                <a:latin typeface="Tamil-049" pitchFamily="2" charset="0"/>
+              </a:rPr>
+              <a:t>Rô</a:t>
             </a:r>
             <a:r>
               <a:rPr lang="en-US" sz="4400" b="1" dirty="0">
